--- a/Hardware/RaspberryPi-Notes.pptx
+++ b/Hardware/RaspberryPi-Notes.pptx
@@ -6,15 +6,19 @@
   </p:sldMasterIdLst>
   <p:sldIdLst>
     <p:sldId id="256" r:id="rId3"/>
-    <p:sldId id="257" r:id="rId4"/>
-    <p:sldId id="258" r:id="rId5"/>
-    <p:sldId id="259" r:id="rId6"/>
-    <p:sldId id="260" r:id="rId7"/>
-    <p:sldId id="261" r:id="rId8"/>
-    <p:sldId id="262" r:id="rId9"/>
+    <p:sldId id="263" r:id="rId4"/>
+    <p:sldId id="257" r:id="rId5"/>
+    <p:sldId id="258" r:id="rId6"/>
+    <p:sldId id="259" r:id="rId7"/>
+    <p:sldId id="260" r:id="rId8"/>
+    <p:sldId id="261" r:id="rId9"/>
+    <p:sldId id="262" r:id="rId10"/>
   </p:sldIdLst>
   <p:sldSz cx="12192000" cy="6858000"/>
   <p:notesSz cx="6858000" cy="9144000"/>
+  <p:custDataLst>
+    <p:tags r:id="rId14"/>
+  </p:custDataLst>
   <p:defaultTextStyle>
     <a:defPPr>
       <a:defRPr lang="en-US"/>
@@ -3161,7 +3165,7 @@
       <p:grpSpPr/>
       <p:sp>
         <p:nvSpPr>
-          <p:cNvPr id="2" name="Title 1"/>
+          <p:cNvPr id="2" name="标题 1"/>
           <p:cNvSpPr>
             <a:spLocks noGrp="1"/>
           </p:cNvSpPr>
@@ -3174,16 +3178,16 @@
           <a:bodyPr/>
           <a:p>
             <a:r>
-              <a:rPr lang="x-none" altLang="en-US"/>
-              <a:t>Setup</a:t>
-            </a:r>
-            <a:endParaRPr lang="x-none" altLang="en-US"/>
-          </a:p>
-        </p:txBody>
-      </p:sp>
-      <p:sp>
-        <p:nvSpPr>
-          <p:cNvPr id="3" name="Content Placeholder 2"/>
+              <a:rPr lang="en-US" altLang="zh-CN"/>
+              <a:t>Build Kernel Image</a:t>
+            </a:r>
+            <a:endParaRPr lang="en-US" altLang="zh-CN"/>
+          </a:p>
+        </p:txBody>
+      </p:sp>
+      <p:sp>
+        <p:nvSpPr>
+          <p:cNvPr id="3" name="内容占位符 2"/>
           <p:cNvSpPr>
             <a:spLocks noGrp="1"/>
           </p:cNvSpPr>
@@ -3193,160 +3197,73 @@
         </p:nvSpPr>
         <p:spPr>
           <a:xfrm>
-            <a:off x="609600" y="1174750"/>
-            <a:ext cx="7148830" cy="4953000"/>
+            <a:off x="838200" y="1211580"/>
+            <a:ext cx="5701030" cy="4549140"/>
           </a:xfrm>
         </p:spPr>
         <p:txBody>
           <a:bodyPr/>
           <a:p>
             <a:r>
-              <a:rPr lang="x-none" altLang="en-US" sz="2000"/>
+              <a:rPr lang="en-US" altLang="zh-CN"/>
               <a:t>Steps</a:t>
             </a:r>
-            <a:endParaRPr lang="x-none" altLang="en-US" sz="2000"/>
-          </a:p>
-          <a:p>
-            <a:pPr lvl="1"/>
-            <a:r>
-              <a:rPr lang="x-none" altLang="en-US" sz="1800"/>
-              <a:t>Download Raspbian Stretch Lite</a:t>
-            </a:r>
-            <a:endParaRPr lang="x-none" altLang="en-US" sz="1800"/>
+            <a:endParaRPr lang="en-US" altLang="zh-CN"/>
+          </a:p>
+          <a:p>
+            <a:pPr lvl="1"/>
+            <a:r>
+              <a:rPr lang="en-US" altLang="zh-CN"/>
+              <a:t>git clone https://github.com/RPI-Distro/pi-gen.git</a:t>
+            </a:r>
+            <a:endParaRPr lang="en-US" altLang="zh-CN"/>
+          </a:p>
+          <a:p>
+            <a:pPr lvl="1"/>
+            <a:r>
+              <a:rPr lang="en-US" altLang="zh-CN"/>
+              <a:t>edit build.sh</a:t>
+            </a:r>
+            <a:endParaRPr lang="en-US" altLang="zh-CN"/>
+          </a:p>
+          <a:p>
+            <a:pPr lvl="1"/>
+            <a:r>
+              <a:rPr lang="en-US" altLang="zh-CN"/>
+              <a:t>stages</a:t>
+            </a:r>
+            <a:endParaRPr lang="en-US" altLang="zh-CN"/>
           </a:p>
           <a:p>
             <a:pPr lvl="2"/>
             <a:r>
-              <a:rPr lang="x-none" altLang="en-US" sz="1600"/>
-              <a:t>https://www.raspberrypi.org/downloads/raspbian/</a:t>
-            </a:r>
-            <a:endParaRPr lang="x-none" altLang="en-US" sz="1600"/>
-          </a:p>
-          <a:p>
-            <a:pPr lvl="1"/>
-            <a:r>
-              <a:rPr lang="x-none" altLang="en-US" sz="1800"/>
-              <a:t>Download Etcher and write image image on microSD card</a:t>
-            </a:r>
-            <a:endParaRPr lang="x-none" altLang="en-US" sz="1800"/>
-          </a:p>
-          <a:p>
-            <a:pPr lvl="2"/>
-            <a:r>
-              <a:rPr lang="x-none" altLang="en-US" sz="1600"/>
-              <a:t>Create empty "ssh" file in boot partition</a:t>
-            </a:r>
-            <a:endParaRPr lang="x-none" altLang="en-US" sz="1600"/>
-          </a:p>
-          <a:p>
-            <a:pPr lvl="2"/>
-            <a:r>
-              <a:rPr lang="x-none" altLang="en-US" sz="1600"/>
-              <a:t>Create wpa_supplicant.conf</a:t>
-            </a:r>
-            <a:endParaRPr lang="x-none" altLang="en-US" sz="1600"/>
-          </a:p>
-          <a:p>
-            <a:pPr lvl="1"/>
-            <a:r>
-              <a:rPr lang="en-US" altLang="x-none" sz="1800"/>
-              <a:t>Connect</a:t>
-            </a:r>
-            <a:endParaRPr lang="en-US" altLang="x-none" sz="1800"/>
-          </a:p>
-          <a:p>
-            <a:pPr lvl="2"/>
-            <a:r>
-              <a:rPr lang="en-US" altLang="x-none" sz="1800"/>
-              <a:t>USB</a:t>
-            </a:r>
-            <a:endParaRPr lang="en-US" altLang="x-none" sz="1800"/>
-          </a:p>
-          <a:p>
-            <a:pPr lvl="2"/>
-            <a:r>
-              <a:rPr lang="en-US" altLang="x-none" sz="1800"/>
-              <a:t>Ethernet</a:t>
-            </a:r>
-            <a:endParaRPr lang="en-US" altLang="x-none" sz="1800"/>
-          </a:p>
-          <a:p>
-            <a:pPr lvl="1"/>
-            <a:r>
-              <a:rPr lang="x-none" altLang="en-US" sz="1800"/>
-              <a:t>Power on</a:t>
-            </a:r>
-            <a:endParaRPr lang="x-none" altLang="en-US" sz="1800"/>
-          </a:p>
-          <a:p>
-            <a:pPr lvl="2"/>
-            <a:r>
-              <a:rPr lang="en-US" altLang="x-none" sz="1600"/>
-              <a:t>Check IP address of Pi</a:t>
-            </a:r>
-            <a:endParaRPr lang="en-US" altLang="x-none" sz="1600"/>
-          </a:p>
-          <a:p>
-            <a:pPr lvl="2"/>
-            <a:r>
-              <a:rPr lang="en-US" altLang="x-none" sz="1600"/>
-              <a:t>ssh</a:t>
-            </a:r>
-            <a:r>
-              <a:rPr lang="x-none" altLang="en-US" sz="1600"/>
-              <a:t> pi</a:t>
-            </a:r>
-            <a:r>
-              <a:rPr lang="en-US" altLang="x-none" sz="1600"/>
-              <a:t>@ip</a:t>
-            </a:r>
-            <a:endParaRPr lang="en-US" altLang="x-none" sz="1600"/>
-          </a:p>
-          <a:p>
-            <a:pPr lvl="2"/>
-            <a:r>
-              <a:rPr lang="en-US" altLang="x-none" sz="1600"/>
-              <a:t>password: </a:t>
-            </a:r>
-            <a:r>
-              <a:rPr lang="x-none" altLang="en-US" sz="1600"/>
-              <a:t>raspberry</a:t>
-            </a:r>
-            <a:endParaRPr lang="x-none" altLang="en-US" sz="1600"/>
-          </a:p>
-          <a:p>
-            <a:pPr lvl="1"/>
-            <a:r>
-              <a:rPr lang="en-US" altLang="x-none" sz="2000"/>
-              <a:t>WIFI</a:t>
-            </a:r>
-            <a:endParaRPr lang="en-US" altLang="x-none" sz="2000"/>
-          </a:p>
-          <a:p>
-            <a:pPr lvl="2"/>
-            <a:r>
-              <a:rPr lang="en-US" altLang="x-none" sz="1600"/>
-              <a:t>disabled before WIFI country is set correctly</a:t>
-            </a:r>
-            <a:endParaRPr lang="en-US" altLang="x-none" sz="1600"/>
-          </a:p>
-        </p:txBody>
-      </p:sp>
-      <p:sp>
-        <p:nvSpPr>
-          <p:cNvPr id="4" name="Text Box 3"/>
+              <a:rPr lang="en-US" altLang="zh-CN"/>
+              <a:t>stage 0: bootstrap, stage 1: minimal, stage 2: lite, stage 3: desktop, stage 4: normal, stage 5: full</a:t>
+            </a:r>
+            <a:endParaRPr lang="en-US" altLang="zh-CN"/>
+          </a:p>
+        </p:txBody>
+      </p:sp>
+      <p:sp>
+        <p:nvSpPr>
+          <p:cNvPr id="4" name="文本框 3"/>
           <p:cNvSpPr txBox="1"/>
           <p:nvPr/>
         </p:nvSpPr>
         <p:spPr>
           <a:xfrm>
-            <a:off x="7847965" y="656590"/>
-            <a:ext cx="3956685" cy="3969385"/>
+            <a:off x="7561580" y="1524635"/>
+            <a:ext cx="3868420" cy="2306955"/>
           </a:xfrm>
           <a:prstGeom prst="rect">
             <a:avLst/>
           </a:prstGeom>
           <a:noFill/>
+          <a:ln>
+            <a:solidFill>
+              <a:srgbClr val="C00000"/>
+            </a:solidFill>
+          </a:ln>
         </p:spPr>
         <p:txBody>
           <a:bodyPr wrap="square" rtlCol="0">
@@ -3354,94 +3271,31 @@
           </a:bodyPr>
           <a:p>
             <a:r>
-              <a:rPr lang="x-none" altLang="en-US"/>
-              <a:t>wpa_supplicant.conf</a:t>
-            </a:r>
-            <a:endParaRPr lang="x-none" altLang="en-US"/>
-          </a:p>
-          <a:p>
-            <a:endParaRPr lang="x-none" altLang="en-US"/>
-          </a:p>
-          <a:p>
-            <a:r>
-              <a:rPr lang="x-none" altLang="en-US"/>
-              <a:t>country=</a:t>
-            </a:r>
-            <a:r>
-              <a:rPr lang="en-US" altLang="x-none"/>
-              <a:t>GB</a:t>
-            </a:r>
-            <a:endParaRPr lang="x-none" altLang="en-US"/>
-          </a:p>
-          <a:p>
-            <a:r>
-              <a:rPr lang="x-none" altLang="en-US"/>
-              <a:t>ctrl_interface=DIR=/var/run/wpa_supplicant GROUP=netdev</a:t>
-            </a:r>
-            <a:endParaRPr lang="x-none" altLang="en-US"/>
-          </a:p>
-          <a:p>
-            <a:r>
-              <a:rPr lang="x-none" altLang="en-US"/>
-              <a:t>update_config=1</a:t>
-            </a:r>
-            <a:endParaRPr lang="x-none" altLang="en-US"/>
-          </a:p>
-          <a:p>
-            <a:r>
-              <a:rPr lang="x-none" altLang="en-US"/>
-              <a:t>  </a:t>
-            </a:r>
-            <a:endParaRPr lang="x-none" altLang="en-US"/>
-          </a:p>
-          <a:p>
-            <a:r>
-              <a:rPr lang="x-none" altLang="en-US"/>
-              <a:t>network={</a:t>
-            </a:r>
-            <a:endParaRPr lang="x-none" altLang="en-US"/>
-          </a:p>
-          <a:p>
-            <a:r>
-              <a:rPr lang="x-none" altLang="en-US"/>
-              <a:t>        scan_ssid=1</a:t>
-            </a:r>
-            <a:endParaRPr lang="x-none" altLang="en-US"/>
-          </a:p>
-          <a:p>
-            <a:r>
-              <a:rPr lang="x-none" altLang="en-US"/>
-              <a:t>        ssid="Sparks"</a:t>
-            </a:r>
-            <a:endParaRPr lang="x-none" altLang="en-US"/>
-          </a:p>
-          <a:p>
-            <a:r>
-              <a:rPr lang="x-none" altLang="en-US"/>
-              <a:t>        psk="7001#mly"</a:t>
-            </a:r>
-            <a:endParaRPr lang="x-none" altLang="en-US"/>
-          </a:p>
-          <a:p>
-            <a:r>
-              <a:rPr lang="x-none" altLang="en-US"/>
-              <a:t>        proto=WPA</a:t>
-            </a:r>
-            <a:endParaRPr lang="x-none" altLang="en-US"/>
-          </a:p>
-          <a:p>
-            <a:r>
-              <a:rPr lang="x-none" altLang="en-US"/>
-              <a:t>        key_mgmt=WPA-PSK </a:t>
-            </a:r>
-            <a:endParaRPr lang="x-none" altLang="en-US"/>
-          </a:p>
-          <a:p>
-            <a:r>
-              <a:rPr lang="x-none" altLang="en-US"/>
-              <a:t>}</a:t>
-            </a:r>
-            <a:endParaRPr lang="x-none" altLang="en-US"/>
+              <a:rPr lang="zh-CN" altLang="en-US"/>
+              <a:t>echo "IMG_NAME='raspios'" &gt; config</a:t>
+            </a:r>
+            <a:endParaRPr lang="zh-CN" altLang="en-US"/>
+          </a:p>
+          <a:p>
+            <a:r>
+              <a:rPr lang="zh-CN" altLang="en-US"/>
+              <a:t>touch ./stage3/SKIP ./stage4/SKIP ./stage5/SKIP</a:t>
+            </a:r>
+            <a:endParaRPr lang="zh-CN" altLang="en-US"/>
+          </a:p>
+          <a:p>
+            <a:r>
+              <a:rPr lang="zh-CN" altLang="en-US"/>
+              <a:t>touch ./stage4/SKIP_IMAGES ./stage5/SKIP_IMAGES</a:t>
+            </a:r>
+            <a:endParaRPr lang="zh-CN" altLang="en-US"/>
+          </a:p>
+          <a:p>
+            <a:r>
+              <a:rPr lang="zh-CN" altLang="en-US"/>
+              <a:t>sudo ./build.sh  # or ./build-docker.sh</a:t>
+            </a:r>
+            <a:endParaRPr lang="zh-CN" altLang="en-US"/>
           </a:p>
         </p:txBody>
       </p:sp>
@@ -3468,7 +3322,7 @@
       <p:grpSpPr/>
       <p:sp>
         <p:nvSpPr>
-          <p:cNvPr id="2" name="标题 1"/>
+          <p:cNvPr id="2" name="Title 1"/>
           <p:cNvSpPr>
             <a:spLocks noGrp="1"/>
           </p:cNvSpPr>
@@ -3481,16 +3335,16 @@
           <a:bodyPr/>
           <a:p>
             <a:r>
-              <a:rPr lang="en-US" altLang="zh-CN"/>
-              <a:t>Config</a:t>
-            </a:r>
-            <a:endParaRPr lang="en-US" altLang="zh-CN"/>
-          </a:p>
-        </p:txBody>
-      </p:sp>
-      <p:sp>
-        <p:nvSpPr>
-          <p:cNvPr id="3" name="内容占位符 2"/>
+              <a:rPr lang="x-none" altLang="en-US"/>
+              <a:t>Setup</a:t>
+            </a:r>
+            <a:endParaRPr lang="x-none" altLang="en-US"/>
+          </a:p>
+        </p:txBody>
+      </p:sp>
+      <p:sp>
+        <p:nvSpPr>
+          <p:cNvPr id="3" name="Content Placeholder 2"/>
           <p:cNvSpPr>
             <a:spLocks noGrp="1"/>
           </p:cNvSpPr>
@@ -3501,170 +3355,159 @@
         <p:spPr>
           <a:xfrm>
             <a:off x="609600" y="1174750"/>
-            <a:ext cx="6670040" cy="4953000"/>
+            <a:ext cx="7148830" cy="4953000"/>
           </a:xfrm>
         </p:spPr>
         <p:txBody>
           <a:bodyPr/>
           <a:p>
             <a:r>
-              <a:rPr lang="en-US" altLang="zh-CN" sz="1800"/>
-              <a:t>raspi-config</a:t>
-            </a:r>
-            <a:endParaRPr lang="en-US" altLang="zh-CN" sz="1800"/>
-          </a:p>
-          <a:p>
-            <a:pPr lvl="1"/>
-            <a:r>
-              <a:rPr lang="en-US" altLang="zh-CN" sz="1600"/>
-              <a:t>“Advanced Options” -&gt; “Expand Filesystem”</a:t>
-            </a:r>
-            <a:endParaRPr lang="en-US" altLang="zh-CN" sz="1600"/>
-          </a:p>
-          <a:p>
-            <a:pPr lvl="1"/>
-            <a:r>
-              <a:rPr lang="en-US" altLang="zh-CN" sz="1600">
-                <a:sym typeface="+mn-ea"/>
-              </a:rPr>
-              <a:t>“Localisation Options” -&gt; “Change Locale”</a:t>
-            </a:r>
-            <a:endParaRPr lang="en-US" altLang="zh-CN" sz="1600"/>
+              <a:rPr lang="x-none" altLang="en-US" sz="2000"/>
+              <a:t>Steps</a:t>
+            </a:r>
+            <a:endParaRPr lang="x-none" altLang="en-US" sz="2000"/>
+          </a:p>
+          <a:p>
+            <a:pPr lvl="1"/>
+            <a:r>
+              <a:rPr lang="x-none" altLang="en-US" sz="1800"/>
+              <a:t>Download Raspbian Stretch Lite</a:t>
+            </a:r>
+            <a:endParaRPr lang="x-none" altLang="en-US" sz="1800"/>
           </a:p>
           <a:p>
             <a:pPr lvl="2"/>
             <a:r>
-              <a:rPr lang="en-US" altLang="zh-CN" sz="1600"/>
-              <a:t>Check “en_US.UTF8 UTF8”, “zh_CN.GBK GBK”, “zh_CN.UTF8 UTF8”</a:t>
-            </a:r>
-            <a:endParaRPr lang="en-US" altLang="zh-CN" sz="1600"/>
-          </a:p>
-          <a:p>
-            <a:pPr lvl="1"/>
-            <a:r>
-              <a:rPr lang="en-US" altLang="zh-CN" sz="1600"/>
-              <a:t>“Localisation Options” -&gt; “Change Wi-Fi Country”</a:t>
-            </a:r>
-            <a:endParaRPr lang="en-US" altLang="zh-CN" sz="1600"/>
+              <a:rPr lang="x-none" altLang="en-US" sz="1600"/>
+              <a:t>https://www.raspberrypi.org/downloads/raspbian/</a:t>
+            </a:r>
+            <a:endParaRPr lang="x-none" altLang="en-US" sz="1600"/>
+          </a:p>
+          <a:p>
+            <a:pPr lvl="1"/>
+            <a:r>
+              <a:rPr lang="x-none" altLang="en-US" sz="1800"/>
+              <a:t>Download Etcher and write image image on microSD card</a:t>
+            </a:r>
+            <a:endParaRPr lang="x-none" altLang="en-US" sz="1800"/>
           </a:p>
           <a:p>
             <a:pPr lvl="2"/>
             <a:r>
-              <a:rPr lang="en-US" altLang="zh-CN" sz="1400"/>
-              <a:t>CN</a:t>
-            </a:r>
-            <a:endParaRPr lang="en-US" altLang="zh-CN" sz="1400"/>
-          </a:p>
-          <a:p>
-            <a:pPr lvl="1"/>
-            <a:r>
-              <a:rPr lang="en-US" altLang="zh-CN" sz="1600"/>
-              <a:t>“Localisation Options” -&gt; “Change Timezone”</a:t>
-            </a:r>
-            <a:endParaRPr lang="en-US" altLang="zh-CN" sz="1600"/>
+              <a:rPr lang="x-none" altLang="en-US" sz="1600"/>
+              <a:t>Create empty "ssh" file in boot partition</a:t>
+            </a:r>
+            <a:endParaRPr lang="x-none" altLang="en-US" sz="1600"/>
           </a:p>
           <a:p>
             <a:pPr lvl="2"/>
             <a:r>
-              <a:rPr lang="en-US" altLang="zh-CN" sz="1400"/>
-              <a:t>“Asia” -&gt; “Shanghai”</a:t>
-            </a:r>
-            <a:endParaRPr lang="en-US" altLang="zh-CN" sz="1400"/>
-          </a:p>
-          <a:p>
-            <a:pPr lvl="0"/>
-            <a:r>
-              <a:rPr lang="en-US" altLang="zh-CN" sz="1800"/>
+              <a:rPr lang="x-none" altLang="en-US" sz="1600"/>
+              <a:t>Create wpa_supplicant.conf</a:t>
+            </a:r>
+            <a:endParaRPr lang="x-none" altLang="en-US" sz="1600"/>
+          </a:p>
+          <a:p>
+            <a:pPr lvl="1"/>
+            <a:r>
+              <a:rPr lang="en-US" altLang="x-none" sz="1800"/>
+              <a:t>Connect</a:t>
+            </a:r>
+            <a:endParaRPr lang="en-US" altLang="x-none" sz="1800"/>
+          </a:p>
+          <a:p>
+            <a:pPr lvl="2"/>
+            <a:r>
+              <a:rPr lang="en-US" altLang="x-none" sz="1800"/>
+              <a:t>USB</a:t>
+            </a:r>
+            <a:endParaRPr lang="en-US" altLang="x-none" sz="1800"/>
+          </a:p>
+          <a:p>
+            <a:pPr lvl="2"/>
+            <a:r>
+              <a:rPr lang="en-US" altLang="x-none" sz="1800"/>
+              <a:t>Ethernet</a:t>
+            </a:r>
+            <a:endParaRPr lang="en-US" altLang="x-none" sz="1800"/>
+          </a:p>
+          <a:p>
+            <a:pPr lvl="1"/>
+            <a:r>
+              <a:rPr lang="x-none" altLang="en-US" sz="1800"/>
+              <a:t>Power on</a:t>
+            </a:r>
+            <a:endParaRPr lang="x-none" altLang="en-US" sz="1800"/>
+          </a:p>
+          <a:p>
+            <a:pPr lvl="2"/>
+            <a:r>
+              <a:rPr lang="en-US" altLang="x-none" sz="1600"/>
+              <a:t>Check IP address of Pi</a:t>
+            </a:r>
+            <a:endParaRPr lang="en-US" altLang="x-none" sz="1600"/>
+          </a:p>
+          <a:p>
+            <a:pPr lvl="2"/>
+            <a:r>
+              <a:rPr lang="en-US" altLang="x-none" sz="1600"/>
+              <a:t>ssh</a:t>
+            </a:r>
+            <a:r>
+              <a:rPr lang="x-none" altLang="en-US" sz="1600"/>
+              <a:t> pi</a:t>
+            </a:r>
+            <a:r>
+              <a:rPr lang="en-US" altLang="x-none" sz="1600"/>
+              <a:t>@ip</a:t>
+            </a:r>
+            <a:endParaRPr lang="en-US" altLang="x-none" sz="1600"/>
+          </a:p>
+          <a:p>
+            <a:pPr lvl="2"/>
+            <a:r>
+              <a:rPr lang="en-US" altLang="x-none" sz="1600"/>
+              <a:t>password: </a:t>
+            </a:r>
+            <a:r>
+              <a:rPr lang="x-none" altLang="en-US" sz="1600"/>
+              <a:t>raspberry</a:t>
+            </a:r>
+            <a:endParaRPr lang="x-none" altLang="en-US" sz="1600"/>
+          </a:p>
+          <a:p>
+            <a:pPr lvl="1"/>
+            <a:r>
+              <a:rPr lang="en-US" altLang="x-none" sz="2000"/>
               <a:t>WIFI</a:t>
             </a:r>
-            <a:endParaRPr lang="en-US" altLang="zh-CN" sz="1800"/>
-          </a:p>
-          <a:p>
-            <a:pPr lvl="1"/>
-            <a:r>
-              <a:rPr lang="en-US" altLang="zh-CN" sz="1600"/>
-              <a:t>sudo rfkill unblock wifi</a:t>
-            </a:r>
-            <a:endParaRPr lang="en-US" altLang="zh-CN" sz="1600"/>
-          </a:p>
-          <a:p>
-            <a:pPr lvl="1"/>
-            <a:r>
-              <a:rPr lang="en-US" altLang="zh-CN" sz="1600"/>
-              <a:t>ip link set wlan0 up (or sudo ifconfig wlan0)</a:t>
-            </a:r>
-            <a:endParaRPr lang="en-US" altLang="zh-CN" sz="1600"/>
-          </a:p>
-          <a:p>
-            <a:pPr lvl="1"/>
-            <a:r>
-              <a:rPr lang="en-US" altLang="zh-CN" sz="1600"/>
-              <a:t>Unplug ethernet</a:t>
-            </a:r>
-            <a:endParaRPr lang="en-US" altLang="zh-CN" sz="1600"/>
-          </a:p>
-          <a:p>
-            <a:pPr lvl="1"/>
-            <a:r>
-              <a:rPr lang="en-US" altLang="zh-CN" sz="1600"/>
-              <a:t>Reboot</a:t>
-            </a:r>
-            <a:endParaRPr lang="en-US" altLang="zh-CN" sz="1600"/>
-          </a:p>
-          <a:p>
-            <a:pPr lvl="0"/>
-            <a:r>
-              <a:rPr lang="en-US" altLang="zh-CN" sz="1800"/>
-              <a:t>Set fixed IP address</a:t>
-            </a:r>
-            <a:endParaRPr lang="en-US" altLang="zh-CN" sz="1800"/>
-          </a:p>
-          <a:p>
-            <a:pPr lvl="1"/>
-            <a:r>
-              <a:rPr lang="en-US" altLang="zh-CN" sz="1575"/>
-              <a:t>sudo nano /etc/dhcpcd.conf</a:t>
-            </a:r>
-            <a:endParaRPr lang="en-US" altLang="zh-CN" sz="1575"/>
-          </a:p>
-          <a:p>
-            <a:pPr lvl="0"/>
-            <a:r>
-              <a:rPr lang="en-US" altLang="zh-CN" sz="1800"/>
-              <a:t>Auto start after power on</a:t>
-            </a:r>
-            <a:endParaRPr lang="en-US" altLang="zh-CN" sz="1800"/>
-          </a:p>
-          <a:p>
-            <a:pPr lvl="1"/>
-            <a:r>
-              <a:rPr lang="en-US" altLang="zh-CN" sz="1575"/>
-              <a:t>In /etc/rc.local, add “exec ...” before “exit 0”</a:t>
-            </a:r>
-            <a:endParaRPr lang="en-US" altLang="zh-CN" sz="1575"/>
-          </a:p>
-        </p:txBody>
-      </p:sp>
-      <p:sp>
-        <p:nvSpPr>
-          <p:cNvPr id="4" name="文本框 3"/>
+            <a:endParaRPr lang="en-US" altLang="x-none" sz="2000"/>
+          </a:p>
+          <a:p>
+            <a:pPr lvl="2"/>
+            <a:r>
+              <a:rPr lang="en-US" altLang="x-none" sz="1600"/>
+              <a:t>disabled before WIFI country is set correctly</a:t>
+            </a:r>
+            <a:endParaRPr lang="en-US" altLang="x-none" sz="1600"/>
+          </a:p>
+        </p:txBody>
+      </p:sp>
+      <p:sp>
+        <p:nvSpPr>
+          <p:cNvPr id="4" name="Text Box 3"/>
           <p:cNvSpPr txBox="1"/>
           <p:nvPr/>
         </p:nvSpPr>
         <p:spPr>
           <a:xfrm>
-            <a:off x="7368540" y="1496060"/>
-            <a:ext cx="4689475" cy="2030095"/>
+            <a:off x="7847965" y="656590"/>
+            <a:ext cx="3956685" cy="3969385"/>
           </a:xfrm>
           <a:prstGeom prst="rect">
             <a:avLst/>
           </a:prstGeom>
           <a:noFill/>
-          <a:ln>
-            <a:solidFill>
-              <a:srgbClr val="00B0F0"/>
-            </a:solidFill>
-          </a:ln>
         </p:spPr>
         <p:txBody>
           <a:bodyPr wrap="square" rtlCol="0">
@@ -3672,48 +3515,94 @@
           </a:bodyPr>
           <a:p>
             <a:r>
-              <a:rPr lang="en-US" altLang="zh-CN"/>
-              <a:t>dhcpcd.conf</a:t>
-            </a:r>
-            <a:endParaRPr lang="en-US" altLang="zh-CN"/>
-          </a:p>
-          <a:p>
-            <a:endParaRPr lang="en-US" altLang="zh-CN"/>
-          </a:p>
-          <a:p>
-            <a:r>
-              <a:rPr lang="en-US" altLang="zh-CN"/>
-              <a:t>interface wlan0</a:t>
-            </a:r>
-            <a:endParaRPr lang="en-US" altLang="zh-CN"/>
-          </a:p>
-          <a:p>
-            <a:r>
-              <a:rPr lang="en-US" altLang="zh-CN"/>
-              <a:t>inform 192.168.31.188</a:t>
-            </a:r>
-            <a:endParaRPr lang="en-US" altLang="zh-CN"/>
-          </a:p>
-          <a:p>
-            <a:r>
-              <a:rPr lang="en-US" altLang="zh-CN"/>
-              <a:t>static routers=192.168.31.1</a:t>
-            </a:r>
-            <a:endParaRPr lang="en-US" altLang="zh-CN"/>
-          </a:p>
-          <a:p>
-            <a:r>
-              <a:rPr lang="en-US" altLang="zh-CN"/>
-              <a:t>static domain_name_servers=192.168.31.1</a:t>
-            </a:r>
-            <a:endParaRPr lang="en-US" altLang="zh-CN"/>
-          </a:p>
-          <a:p>
-            <a:r>
-              <a:rPr lang="en-US" altLang="zh-CN"/>
-              <a:t>static domain_search=192.168.31.1</a:t>
-            </a:r>
-            <a:endParaRPr lang="en-US" altLang="zh-CN"/>
+              <a:rPr lang="x-none" altLang="en-US"/>
+              <a:t>wpa_supplicant.conf</a:t>
+            </a:r>
+            <a:endParaRPr lang="x-none" altLang="en-US"/>
+          </a:p>
+          <a:p>
+            <a:endParaRPr lang="x-none" altLang="en-US"/>
+          </a:p>
+          <a:p>
+            <a:r>
+              <a:rPr lang="x-none" altLang="en-US"/>
+              <a:t>country=</a:t>
+            </a:r>
+            <a:r>
+              <a:rPr lang="en-US" altLang="x-none"/>
+              <a:t>GB</a:t>
+            </a:r>
+            <a:endParaRPr lang="x-none" altLang="en-US"/>
+          </a:p>
+          <a:p>
+            <a:r>
+              <a:rPr lang="x-none" altLang="en-US"/>
+              <a:t>ctrl_interface=DIR=/var/run/wpa_supplicant GROUP=netdev</a:t>
+            </a:r>
+            <a:endParaRPr lang="x-none" altLang="en-US"/>
+          </a:p>
+          <a:p>
+            <a:r>
+              <a:rPr lang="x-none" altLang="en-US"/>
+              <a:t>update_config=1</a:t>
+            </a:r>
+            <a:endParaRPr lang="x-none" altLang="en-US"/>
+          </a:p>
+          <a:p>
+            <a:r>
+              <a:rPr lang="x-none" altLang="en-US"/>
+              <a:t>  </a:t>
+            </a:r>
+            <a:endParaRPr lang="x-none" altLang="en-US"/>
+          </a:p>
+          <a:p>
+            <a:r>
+              <a:rPr lang="x-none" altLang="en-US"/>
+              <a:t>network={</a:t>
+            </a:r>
+            <a:endParaRPr lang="x-none" altLang="en-US"/>
+          </a:p>
+          <a:p>
+            <a:r>
+              <a:rPr lang="x-none" altLang="en-US"/>
+              <a:t>        scan_ssid=1</a:t>
+            </a:r>
+            <a:endParaRPr lang="x-none" altLang="en-US"/>
+          </a:p>
+          <a:p>
+            <a:r>
+              <a:rPr lang="x-none" altLang="en-US"/>
+              <a:t>        ssid="Sparks"</a:t>
+            </a:r>
+            <a:endParaRPr lang="x-none" altLang="en-US"/>
+          </a:p>
+          <a:p>
+            <a:r>
+              <a:rPr lang="x-none" altLang="en-US"/>
+              <a:t>        psk="7001#mly"</a:t>
+            </a:r>
+            <a:endParaRPr lang="x-none" altLang="en-US"/>
+          </a:p>
+          <a:p>
+            <a:r>
+              <a:rPr lang="x-none" altLang="en-US"/>
+              <a:t>        proto=WPA</a:t>
+            </a:r>
+            <a:endParaRPr lang="x-none" altLang="en-US"/>
+          </a:p>
+          <a:p>
+            <a:r>
+              <a:rPr lang="x-none" altLang="en-US"/>
+              <a:t>        key_mgmt=WPA-PSK </a:t>
+            </a:r>
+            <a:endParaRPr lang="x-none" altLang="en-US"/>
+          </a:p>
+          <a:p>
+            <a:r>
+              <a:rPr lang="x-none" altLang="en-US"/>
+              <a:t>}</a:t>
+            </a:r>
+            <a:endParaRPr lang="x-none" altLang="en-US"/>
           </a:p>
         </p:txBody>
       </p:sp>
@@ -3754,7 +3643,7 @@
           <a:p>
             <a:r>
               <a:rPr lang="en-US" altLang="zh-CN"/>
-              <a:t>Install Softwares</a:t>
+              <a:t>Config</a:t>
             </a:r>
             <a:endParaRPr lang="en-US" altLang="zh-CN"/>
           </a:p>
@@ -3770,69 +3659,220 @@
             <p:ph idx="1"/>
           </p:nvPr>
         </p:nvSpPr>
-        <p:spPr/>
+        <p:spPr>
+          <a:xfrm>
+            <a:off x="609600" y="1174750"/>
+            <a:ext cx="6670040" cy="4953000"/>
+          </a:xfrm>
+        </p:spPr>
         <p:txBody>
           <a:bodyPr/>
           <a:p>
             <a:r>
+              <a:rPr lang="en-US" altLang="zh-CN" sz="1800"/>
+              <a:t>raspi-config</a:t>
+            </a:r>
+            <a:endParaRPr lang="en-US" altLang="zh-CN" sz="1800"/>
+          </a:p>
+          <a:p>
+            <a:pPr lvl="1"/>
+            <a:r>
+              <a:rPr lang="en-US" altLang="zh-CN" sz="1600"/>
+              <a:t>“Advanced Options” -&gt; “Expand Filesystem”</a:t>
+            </a:r>
+            <a:endParaRPr lang="en-US" altLang="zh-CN" sz="1600"/>
+          </a:p>
+          <a:p>
+            <a:pPr lvl="1"/>
+            <a:r>
+              <a:rPr lang="en-US" altLang="zh-CN" sz="1600">
+                <a:sym typeface="+mn-ea"/>
+              </a:rPr>
+              <a:t>“Localisation Options” -&gt; “Change Locale”</a:t>
+            </a:r>
+            <a:endParaRPr lang="en-US" altLang="zh-CN" sz="1600"/>
+          </a:p>
+          <a:p>
+            <a:pPr lvl="2"/>
+            <a:r>
+              <a:rPr lang="en-US" altLang="zh-CN" sz="1600"/>
+              <a:t>Check “en_US.UTF8 UTF8”, “zh_CN.GBK GBK”, “zh_CN.UTF8 UTF8”</a:t>
+            </a:r>
+            <a:endParaRPr lang="en-US" altLang="zh-CN" sz="1600"/>
+          </a:p>
+          <a:p>
+            <a:pPr lvl="1"/>
+            <a:r>
+              <a:rPr lang="en-US" altLang="zh-CN" sz="1600"/>
+              <a:t>“Localisation Options” -&gt; “Change Wi-Fi Country”</a:t>
+            </a:r>
+            <a:endParaRPr lang="en-US" altLang="zh-CN" sz="1600"/>
+          </a:p>
+          <a:p>
+            <a:pPr lvl="2"/>
+            <a:r>
+              <a:rPr lang="en-US" altLang="zh-CN" sz="1400"/>
+              <a:t>CN</a:t>
+            </a:r>
+            <a:endParaRPr lang="en-US" altLang="zh-CN" sz="1400"/>
+          </a:p>
+          <a:p>
+            <a:pPr lvl="1"/>
+            <a:r>
+              <a:rPr lang="en-US" altLang="zh-CN" sz="1600"/>
+              <a:t>“Localisation Options” -&gt; “Change Timezone”</a:t>
+            </a:r>
+            <a:endParaRPr lang="en-US" altLang="zh-CN" sz="1600"/>
+          </a:p>
+          <a:p>
+            <a:pPr lvl="2"/>
+            <a:r>
+              <a:rPr lang="en-US" altLang="zh-CN" sz="1400"/>
+              <a:t>“Asia” -&gt; “Shanghai”</a:t>
+            </a:r>
+            <a:endParaRPr lang="en-US" altLang="zh-CN" sz="1400"/>
+          </a:p>
+          <a:p>
+            <a:pPr lvl="0"/>
+            <a:r>
+              <a:rPr lang="en-US" altLang="zh-CN" sz="1800"/>
+              <a:t>WIFI</a:t>
+            </a:r>
+            <a:endParaRPr lang="en-US" altLang="zh-CN" sz="1800"/>
+          </a:p>
+          <a:p>
+            <a:pPr lvl="1"/>
+            <a:r>
+              <a:rPr lang="en-US" altLang="zh-CN" sz="1600"/>
+              <a:t>sudo rfkill unblock wifi</a:t>
+            </a:r>
+            <a:endParaRPr lang="en-US" altLang="zh-CN" sz="1600"/>
+          </a:p>
+          <a:p>
+            <a:pPr lvl="1"/>
+            <a:r>
+              <a:rPr lang="en-US" altLang="zh-CN" sz="1600"/>
+              <a:t>ip link set wlan0 up (or sudo ifconfig wlan0)</a:t>
+            </a:r>
+            <a:endParaRPr lang="en-US" altLang="zh-CN" sz="1600"/>
+          </a:p>
+          <a:p>
+            <a:pPr lvl="1"/>
+            <a:r>
+              <a:rPr lang="en-US" altLang="zh-CN" sz="1600"/>
+              <a:t>Unplug ethernet</a:t>
+            </a:r>
+            <a:endParaRPr lang="en-US" altLang="zh-CN" sz="1600"/>
+          </a:p>
+          <a:p>
+            <a:pPr lvl="1"/>
+            <a:r>
+              <a:rPr lang="en-US" altLang="zh-CN" sz="1600"/>
+              <a:t>Reboot</a:t>
+            </a:r>
+            <a:endParaRPr lang="en-US" altLang="zh-CN" sz="1600"/>
+          </a:p>
+          <a:p>
+            <a:pPr lvl="0"/>
+            <a:r>
+              <a:rPr lang="en-US" altLang="zh-CN" sz="1800"/>
+              <a:t>Set fixed IP address</a:t>
+            </a:r>
+            <a:endParaRPr lang="en-US" altLang="zh-CN" sz="1800"/>
+          </a:p>
+          <a:p>
+            <a:pPr lvl="1"/>
+            <a:r>
+              <a:rPr lang="en-US" altLang="zh-CN" sz="1575"/>
+              <a:t>sudo nano /etc/dhcpcd.conf</a:t>
+            </a:r>
+            <a:endParaRPr lang="en-US" altLang="zh-CN" sz="1575"/>
+          </a:p>
+          <a:p>
+            <a:pPr lvl="0"/>
+            <a:r>
+              <a:rPr lang="en-US" altLang="zh-CN" sz="1800"/>
+              <a:t>Auto start after power on</a:t>
+            </a:r>
+            <a:endParaRPr lang="en-US" altLang="zh-CN" sz="1800"/>
+          </a:p>
+          <a:p>
+            <a:pPr lvl="1"/>
+            <a:r>
+              <a:rPr lang="en-US" altLang="zh-CN" sz="1575"/>
+              <a:t>In /etc/rc.local, add “exec ...” before “exit 0”</a:t>
+            </a:r>
+            <a:endParaRPr lang="en-US" altLang="zh-CN" sz="1575"/>
+          </a:p>
+        </p:txBody>
+      </p:sp>
+      <p:sp>
+        <p:nvSpPr>
+          <p:cNvPr id="4" name="文本框 3"/>
+          <p:cNvSpPr txBox="1"/>
+          <p:nvPr/>
+        </p:nvSpPr>
+        <p:spPr>
+          <a:xfrm>
+            <a:off x="7368540" y="1496060"/>
+            <a:ext cx="4689475" cy="2030095"/>
+          </a:xfrm>
+          <a:prstGeom prst="rect">
+            <a:avLst/>
+          </a:prstGeom>
+          <a:noFill/>
+          <a:ln>
+            <a:solidFill>
+              <a:srgbClr val="00B0F0"/>
+            </a:solidFill>
+          </a:ln>
+        </p:spPr>
+        <p:txBody>
+          <a:bodyPr wrap="square" rtlCol="0">
+            <a:spAutoFit/>
+          </a:bodyPr>
+          <a:p>
+            <a:r>
               <a:rPr lang="en-US" altLang="zh-CN"/>
-              <a:t>Apt Source</a:t>
+              <a:t>dhcpcd.conf</a:t>
             </a:r>
             <a:endParaRPr lang="en-US" altLang="zh-CN"/>
           </a:p>
           <a:p>
-            <a:pPr lvl="1"/>
+            <a:endParaRPr lang="en-US" altLang="zh-CN"/>
+          </a:p>
+          <a:p>
             <a:r>
               <a:rPr lang="en-US" altLang="zh-CN"/>
-              <a:t>modify /etc/apt/sources.list</a:t>
+              <a:t>interface wlan0</a:t>
             </a:r>
             <a:endParaRPr lang="en-US" altLang="zh-CN"/>
           </a:p>
           <a:p>
-            <a:pPr lvl="2"/>
             <a:r>
               <a:rPr lang="en-US" altLang="zh-CN"/>
-              <a:t>deb http://mirrors.tuna.tsinghua.edu.cn/raspbian/raspbian/ stretch main non-free contrib</a:t>
+              <a:t>inform 192.168.31.188</a:t>
             </a:r>
             <a:endParaRPr lang="en-US" altLang="zh-CN"/>
           </a:p>
           <a:p>
-            <a:pPr lvl="2"/>
             <a:r>
               <a:rPr lang="en-US" altLang="zh-CN"/>
-              <a:t>deb-src http://mirrors.tuna.tsinghua.edu.cn/raspbian/raspbian/ stretch main non-free contrib</a:t>
+              <a:t>static routers=192.168.31.1</a:t>
             </a:r>
             <a:endParaRPr lang="en-US" altLang="zh-CN"/>
           </a:p>
           <a:p>
-            <a:pPr lvl="1"/>
             <a:r>
               <a:rPr lang="en-US" altLang="zh-CN"/>
-              <a:t>sudo apt update</a:t>
+              <a:t>static domain_name_servers=192.168.31.1</a:t>
             </a:r>
             <a:endParaRPr lang="en-US" altLang="zh-CN"/>
           </a:p>
           <a:p>
-            <a:pPr lvl="1"/>
             <a:r>
               <a:rPr lang="en-US" altLang="zh-CN"/>
-              <a:t>sudo apt dist-upgrade</a:t>
-            </a:r>
-            <a:endParaRPr lang="en-US" altLang="zh-CN"/>
-          </a:p>
-          <a:p>
-            <a:pPr lvl="0"/>
-            <a:r>
-              <a:rPr lang="en-US" altLang="zh-CN"/>
-              <a:t>Install softwares</a:t>
-            </a:r>
-            <a:endParaRPr lang="en-US" altLang="zh-CN"/>
-          </a:p>
-          <a:p>
-            <a:pPr lvl="1"/>
-            <a:r>
-              <a:rPr lang="en-US" altLang="zh-CN"/>
-              <a:t>sudo apt install vim</a:t>
+              <a:t>static domain_search=192.168.31.1</a:t>
             </a:r>
             <a:endParaRPr lang="en-US" altLang="zh-CN"/>
           </a:p>
@@ -3875,7 +3915,7 @@
           <a:p>
             <a:r>
               <a:rPr lang="en-US" altLang="zh-CN"/>
-              <a:t>Install Python</a:t>
+              <a:t>Install Softwares</a:t>
             </a:r>
             <a:endParaRPr lang="en-US" altLang="zh-CN"/>
           </a:p>
@@ -3895,221 +3935,67 @@
         <p:txBody>
           <a:bodyPr/>
           <a:p>
+            <a:r>
+              <a:rPr lang="en-US" altLang="zh-CN"/>
+              <a:t>Apt Source</a:t>
+            </a:r>
+            <a:endParaRPr lang="en-US" altLang="zh-CN"/>
+          </a:p>
+          <a:p>
+            <a:pPr lvl="1"/>
+            <a:r>
+              <a:rPr lang="en-US" altLang="zh-CN"/>
+              <a:t>modify /etc/apt/sources.list</a:t>
+            </a:r>
+            <a:endParaRPr lang="en-US" altLang="zh-CN"/>
+          </a:p>
+          <a:p>
+            <a:pPr lvl="2"/>
+            <a:r>
+              <a:rPr lang="en-US" altLang="zh-CN"/>
+              <a:t>deb http://mirrors.tuna.tsinghua.edu.cn/raspbian/raspbian/ stretch main non-free contrib</a:t>
+            </a:r>
+            <a:endParaRPr lang="en-US" altLang="zh-CN"/>
+          </a:p>
+          <a:p>
+            <a:pPr lvl="2"/>
+            <a:r>
+              <a:rPr lang="en-US" altLang="zh-CN"/>
+              <a:t>deb-src http://mirrors.tuna.tsinghua.edu.cn/raspbian/raspbian/ stretch main non-free contrib</a:t>
+            </a:r>
+            <a:endParaRPr lang="en-US" altLang="zh-CN"/>
+          </a:p>
+          <a:p>
+            <a:pPr lvl="1"/>
+            <a:r>
+              <a:rPr lang="en-US" altLang="zh-CN"/>
+              <a:t>sudo apt update</a:t>
+            </a:r>
+            <a:endParaRPr lang="en-US" altLang="zh-CN"/>
+          </a:p>
+          <a:p>
+            <a:pPr lvl="1"/>
+            <a:r>
+              <a:rPr lang="en-US" altLang="zh-CN"/>
+              <a:t>sudo apt dist-upgrade</a:t>
+            </a:r>
+            <a:endParaRPr lang="en-US" altLang="zh-CN"/>
+          </a:p>
+          <a:p>
             <a:pPr lvl="0"/>
             <a:r>
-              <a:rPr lang="en-US" altLang="zh-CN" sz="2400"/>
-              <a:t>Install Python</a:t>
-            </a:r>
-            <a:endParaRPr lang="en-US" altLang="zh-CN" sz="2400"/>
-          </a:p>
-          <a:p>
-            <a:pPr lvl="1"/>
-            <a:r>
-              <a:rPr lang="en-US" altLang="zh-CN" sz="2000"/>
-              <a:t>sudo apt install python2.7-dev python3-dev</a:t>
-            </a:r>
-            <a:endParaRPr lang="en-US" altLang="zh-CN" sz="2000"/>
-          </a:p>
-          <a:p>
-            <a:pPr lvl="1"/>
-            <a:r>
-              <a:rPr lang="en-US" altLang="zh-CN" sz="2000"/>
-              <a:t>wget https://bootstrap.pypa.io/get-pip.py</a:t>
-            </a:r>
-            <a:endParaRPr lang="en-US" altLang="zh-CN" sz="2000"/>
-          </a:p>
-          <a:p>
-            <a:pPr lvl="1"/>
-            <a:r>
-              <a:rPr lang="en-US" altLang="zh-CN" sz="2000"/>
-              <a:t>sudo python get-pip.py</a:t>
-            </a:r>
-            <a:endParaRPr lang="en-US" altLang="zh-CN" sz="2000"/>
-          </a:p>
-          <a:p>
-            <a:pPr lvl="1"/>
-            <a:r>
-              <a:rPr lang="en-US" altLang="zh-CN" sz="2000"/>
-              <a:t>sudo python3 get-pip.py</a:t>
-            </a:r>
-            <a:endParaRPr lang="en-US" altLang="zh-CN" sz="2000"/>
-          </a:p>
-          <a:p>
-            <a:pPr lvl="1"/>
-            <a:r>
-              <a:rPr lang="en-US" altLang="zh-CN" sz="2000"/>
-              <a:t>sudo pip install virtualenv virtualenvwrapper</a:t>
-            </a:r>
-            <a:endParaRPr lang="en-US" altLang="zh-CN" sz="2000"/>
-          </a:p>
-          <a:p>
-            <a:pPr lvl="1"/>
-            <a:r>
-              <a:rPr lang="en-US" altLang="zh-CN" sz="2000"/>
-              <a:t>sudo rm -rf ~/.cache/pip</a:t>
-            </a:r>
-            <a:endParaRPr lang="en-US" altLang="zh-CN" sz="2000"/>
-          </a:p>
-          <a:p>
-            <a:pPr lvl="1"/>
-            <a:r>
-              <a:rPr lang="en-US" altLang="zh-CN" sz="2000"/>
-              <a:t>Edit ~/.profile as the one on the right</a:t>
-            </a:r>
-            <a:endParaRPr lang="en-US" altLang="zh-CN" sz="2000"/>
-          </a:p>
-          <a:p>
-            <a:pPr lvl="1"/>
-            <a:r>
-              <a:rPr lang="en-US" altLang="zh-CN" sz="2000"/>
-              <a:t>source ~/.profile</a:t>
-            </a:r>
-            <a:endParaRPr lang="en-US" altLang="zh-CN" sz="2000"/>
-          </a:p>
-          <a:p>
-            <a:pPr lvl="1"/>
-            <a:r>
-              <a:rPr lang="en-US" altLang="zh-CN" sz="2000"/>
-              <a:t>mkvirtualenv py3 -p python3</a:t>
-            </a:r>
-            <a:endParaRPr lang="en-US" altLang="zh-CN" sz="2000"/>
-          </a:p>
-          <a:p>
-            <a:pPr lvl="0"/>
-            <a:r>
-              <a:rPr lang="en-US" altLang="zh-CN" sz="2285"/>
-              <a:t>Install Python packages in virtualenv</a:t>
-            </a:r>
-            <a:endParaRPr lang="en-US" altLang="zh-CN" sz="2285"/>
-          </a:p>
-          <a:p>
-            <a:pPr lvl="1"/>
-            <a:r>
-              <a:rPr lang="en-US" altLang="zh-CN" sz="1995"/>
-              <a:t>Modify pip.conf as the one on the right</a:t>
-            </a:r>
-            <a:endParaRPr lang="en-US" altLang="zh-CN" sz="1995"/>
-          </a:p>
-          <a:p>
-            <a:pPr lvl="1"/>
-            <a:r>
-              <a:rPr lang="en-US" altLang="zh-CN" sz="1995"/>
-              <a:t>pip install numpy (slow)</a:t>
-            </a:r>
-            <a:endParaRPr lang="en-US" altLang="zh-CN" sz="1745"/>
-          </a:p>
-          <a:p>
-            <a:pPr lvl="1"/>
-            <a:endParaRPr lang="en-US" altLang="zh-CN" sz="2000"/>
-          </a:p>
-        </p:txBody>
-      </p:sp>
-      <p:sp>
-        <p:nvSpPr>
-          <p:cNvPr id="4" name="文本框 3"/>
-          <p:cNvSpPr txBox="1"/>
-          <p:nvPr/>
-        </p:nvSpPr>
-        <p:spPr>
-          <a:xfrm>
-            <a:off x="7368540" y="1496060"/>
-            <a:ext cx="4689475" cy="1383665"/>
-          </a:xfrm>
-          <a:prstGeom prst="rect">
-            <a:avLst/>
-          </a:prstGeom>
-          <a:noFill/>
-          <a:ln>
-            <a:solidFill>
-              <a:srgbClr val="00B0F0"/>
-            </a:solidFill>
-          </a:ln>
-        </p:spPr>
-        <p:txBody>
-          <a:bodyPr wrap="square" rtlCol="0">
-            <a:spAutoFit/>
-          </a:bodyPr>
-          <a:p>
-            <a:r>
-              <a:rPr lang="en-US" altLang="zh-CN" sz="1400"/>
-              <a:t>~/.profile</a:t>
-            </a:r>
-            <a:endParaRPr lang="en-US" altLang="zh-CN" sz="1400"/>
-          </a:p>
-          <a:p>
-            <a:endParaRPr lang="en-US" altLang="zh-CN" sz="1400"/>
-          </a:p>
-          <a:p>
-            <a:r>
-              <a:rPr lang="en-US" altLang="zh-CN" sz="1400"/>
-              <a:t>export WORKON_HOME=$HOME/.virtualenvs</a:t>
-            </a:r>
-            <a:endParaRPr lang="en-US" altLang="zh-CN" sz="1400"/>
-          </a:p>
-          <a:p>
-            <a:r>
-              <a:rPr lang="en-US" altLang="zh-CN" sz="1400"/>
-              <a:t>export VIRTUALENVWRAPPER_PYTHON=/usr/bin/python3</a:t>
-            </a:r>
-            <a:endParaRPr lang="en-US" altLang="zh-CN" sz="1400"/>
-          </a:p>
-          <a:p>
-            <a:r>
-              <a:rPr lang="en-US" altLang="zh-CN" sz="1400"/>
-              <a:t>source /usr/local/bin/virtualenvwrapper.sh</a:t>
-            </a:r>
-            <a:endParaRPr lang="en-US" altLang="zh-CN" sz="1400"/>
-          </a:p>
-        </p:txBody>
-      </p:sp>
-      <p:sp>
-        <p:nvSpPr>
-          <p:cNvPr id="5" name="文本框 4"/>
-          <p:cNvSpPr txBox="1"/>
-          <p:nvPr/>
-        </p:nvSpPr>
-        <p:spPr>
-          <a:xfrm>
-            <a:off x="7400925" y="3147060"/>
-            <a:ext cx="4689475" cy="953135"/>
-          </a:xfrm>
-          <a:prstGeom prst="rect">
-            <a:avLst/>
-          </a:prstGeom>
-          <a:noFill/>
-          <a:ln>
-            <a:solidFill>
-              <a:srgbClr val="00B0F0"/>
-            </a:solidFill>
-          </a:ln>
-        </p:spPr>
-        <p:txBody>
-          <a:bodyPr wrap="square" rtlCol="0">
-            <a:spAutoFit/>
-          </a:bodyPr>
-          <a:p>
-            <a:r>
-              <a:rPr lang="en-US" altLang="zh-CN" sz="1400"/>
-              <a:t>/etc/pip.conf</a:t>
-            </a:r>
-            <a:endParaRPr lang="en-US" altLang="zh-CN" sz="1400"/>
-          </a:p>
-          <a:p>
-            <a:endParaRPr lang="en-US" altLang="zh-CN" sz="1400"/>
-          </a:p>
-          <a:p>
-            <a:r>
-              <a:rPr lang="en-US" altLang="zh-CN" sz="1400"/>
-              <a:t>[global]</a:t>
-            </a:r>
-            <a:endParaRPr lang="en-US" altLang="zh-CN" sz="1400"/>
-          </a:p>
-          <a:p>
-            <a:r>
-              <a:rPr lang="en-US" altLang="zh-CN" sz="1400"/>
-              <a:t>index-url = https://pypi.tuna.tsinghua.edu.cn/simple</a:t>
-            </a:r>
-            <a:endParaRPr lang="en-US" altLang="zh-CN" sz="1400"/>
+              <a:rPr lang="en-US" altLang="zh-CN"/>
+              <a:t>Install softwares</a:t>
+            </a:r>
+            <a:endParaRPr lang="en-US" altLang="zh-CN"/>
+          </a:p>
+          <a:p>
+            <a:pPr lvl="1"/>
+            <a:r>
+              <a:rPr lang="en-US" altLang="zh-CN"/>
+              <a:t>sudo apt install vim</a:t>
+            </a:r>
+            <a:endParaRPr lang="en-US" altLang="zh-CN"/>
           </a:p>
         </p:txBody>
       </p:sp>
@@ -4150,7 +4036,7 @@
           <a:p>
             <a:r>
               <a:rPr lang="en-US" altLang="zh-CN"/>
-              <a:t>Install OpenCV3</a:t>
+              <a:t>Install Python</a:t>
             </a:r>
             <a:endParaRPr lang="en-US" altLang="zh-CN"/>
           </a:p>
@@ -4170,171 +4056,221 @@
         <p:txBody>
           <a:bodyPr/>
           <a:p>
-            <a:r>
-              <a:rPr lang="en-US" altLang="zh-CN" sz="2000">
-                <a:sym typeface="+mn-ea"/>
-              </a:rPr>
-              <a:t>Install packages</a:t>
+            <a:pPr lvl="0"/>
+            <a:r>
+              <a:rPr lang="en-US" altLang="zh-CN" sz="2400"/>
+              <a:t>Install Python</a:t>
+            </a:r>
+            <a:endParaRPr lang="en-US" altLang="zh-CN" sz="2400"/>
+          </a:p>
+          <a:p>
+            <a:pPr lvl="1"/>
+            <a:r>
+              <a:rPr lang="en-US" altLang="zh-CN" sz="2000"/>
+              <a:t>sudo apt install python2.7-dev python3-dev</a:t>
             </a:r>
             <a:endParaRPr lang="en-US" altLang="zh-CN" sz="2000"/>
           </a:p>
           <a:p>
             <a:pPr lvl="1"/>
             <a:r>
-              <a:rPr lang="en-US" altLang="zh-CN" sz="2000">
-                <a:sym typeface="+mn-ea"/>
-              </a:rPr>
-              <a:t>build-essential cmake pkg-config</a:t>
+              <a:rPr lang="en-US" altLang="zh-CN" sz="2000"/>
+              <a:t>wget https://bootstrap.pypa.io/get-pip.py</a:t>
             </a:r>
             <a:endParaRPr lang="en-US" altLang="zh-CN" sz="2000"/>
           </a:p>
           <a:p>
             <a:pPr lvl="1"/>
             <a:r>
-              <a:rPr lang="en-US" altLang="zh-CN" sz="2000">
-                <a:sym typeface="+mn-ea"/>
-              </a:rPr>
-              <a:t>libjpeg-dev libtiff5-dev libjasper-dev libpng12-dev</a:t>
+              <a:rPr lang="en-US" altLang="zh-CN" sz="2000"/>
+              <a:t>sudo python get-pip.py</a:t>
             </a:r>
             <a:endParaRPr lang="en-US" altLang="zh-CN" sz="2000"/>
           </a:p>
           <a:p>
             <a:pPr lvl="1"/>
             <a:r>
-              <a:rPr lang="en-US" altLang="zh-CN" sz="2000">
-                <a:sym typeface="+mn-ea"/>
-              </a:rPr>
-              <a:t>libavcodec-dev libavformat-dev libswscale-dev libv4l-dev libxvidcore-dev libx264-dev</a:t>
+              <a:rPr lang="en-US" altLang="zh-CN" sz="2000"/>
+              <a:t>sudo python3 get-pip.py</a:t>
             </a:r>
             <a:endParaRPr lang="en-US" altLang="zh-CN" sz="2000"/>
           </a:p>
           <a:p>
             <a:pPr lvl="1"/>
             <a:r>
-              <a:rPr lang="en-US" altLang="zh-CN" sz="2000">
-                <a:sym typeface="+mn-ea"/>
-              </a:rPr>
-              <a:t>libgtk2.0-dev libgtk-3-dev</a:t>
+              <a:rPr lang="en-US" altLang="zh-CN" sz="2000"/>
+              <a:t>sudo pip install virtualenv virtualenvwrapper</a:t>
             </a:r>
             <a:endParaRPr lang="en-US" altLang="zh-CN" sz="2000"/>
           </a:p>
           <a:p>
             <a:pPr lvl="1"/>
             <a:r>
-              <a:rPr lang="en-US" altLang="zh-CN" sz="2000">
-                <a:sym typeface="+mn-ea"/>
-              </a:rPr>
-              <a:t>libatlas-base-dev gfortran</a:t>
-            </a:r>
-            <a:endParaRPr lang="en-US" altLang="zh-CN" sz="2000">
-              <a:sym typeface="+mn-ea"/>
-            </a:endParaRPr>
-          </a:p>
-          <a:p>
-            <a:pPr lvl="1"/>
-            <a:r>
-              <a:rPr lang="en-US" sz="1800"/>
-              <a:t>scp opencv-3.4.1.zip and opencv_contrib-3.4.1.zip to Pi</a:t>
-            </a:r>
-            <a:endParaRPr lang="en-US" sz="1800"/>
-          </a:p>
-          <a:p>
-            <a:pPr lvl="1"/>
-            <a:r>
-              <a:rPr lang="en-US" altLang="zh-CN" sz="1800">
-                <a:sym typeface="+mn-ea"/>
-              </a:rPr>
-              <a:t>Unzip opencv-3.4.1.zip and opencv_contrib-3.4.1.zip</a:t>
-            </a:r>
-            <a:endParaRPr lang="en-US" altLang="zh-CN" sz="1800">
-              <a:sym typeface="+mn-ea"/>
-            </a:endParaRPr>
-          </a:p>
-          <a:p>
-            <a:pPr lvl="1"/>
-            <a:r>
-              <a:rPr lang="en-US" altLang="zh-CN" sz="1800"/>
-              <a:t>Build opencv</a:t>
-            </a:r>
-            <a:endParaRPr lang="en-US" altLang="zh-CN" sz="1800"/>
-          </a:p>
-          <a:p>
-            <a:pPr lvl="2"/>
-            <a:r>
-              <a:rPr lang="en-US" altLang="zh-CN" sz="1540"/>
-              <a:t>cmake</a:t>
-            </a:r>
-            <a:endParaRPr lang="en-US" altLang="zh-CN" sz="1540"/>
-          </a:p>
-          <a:p>
-            <a:pPr lvl="3"/>
-            <a:r>
-              <a:rPr lang="en-US" altLang="zh-CN" sz="1330"/>
-              <a:t>-D CMAKE_BUILD_TYPE=RELEASE -D CMAKE_INSTALL_PREFIX=/usr/local -D INSTALL_PYTHON_EXAMPLES=ON -D OPENCV_EXTRA_MODULES_PATH=~/opencv_contrib-3.4.1/modules -D BUILD_EXAMPLES=ON ..</a:t>
-            </a:r>
-            <a:endParaRPr lang="en-US" altLang="zh-CN" sz="1330"/>
-          </a:p>
-          <a:p>
-            <a:pPr lvl="2"/>
-            <a:r>
-              <a:rPr lang="en-US" altLang="zh-CN" sz="1540"/>
-              <a:t>Modify /etc/dphys-swapfile CONF_SWAPSIZE to 1024</a:t>
-            </a:r>
-            <a:endParaRPr lang="en-US" altLang="zh-CN" sz="1540"/>
-          </a:p>
-          <a:p>
-            <a:pPr lvl="2"/>
-            <a:r>
-              <a:rPr lang="en-US" altLang="zh-CN" sz="1540"/>
-              <a:t>sudo /etc/init.d/dphys-swapfile restart</a:t>
-            </a:r>
-            <a:endParaRPr lang="en-US" altLang="zh-CN" sz="1540"/>
-          </a:p>
-          <a:p>
-            <a:pPr lvl="2"/>
-            <a:r>
-              <a:rPr lang="en-US" altLang="zh-CN" sz="1540">
-                <a:solidFill>
-                  <a:srgbClr val="FF0000"/>
-                </a:solidFill>
-              </a:rPr>
-              <a:t>make -j4</a:t>
-            </a:r>
-            <a:r>
-              <a:rPr lang="en-US" altLang="zh-CN" sz="1540"/>
-              <a:t> &amp;&amp; sudo make install &amp;&amp; sudo ldconfig</a:t>
-            </a:r>
-            <a:endParaRPr lang="en-US" altLang="zh-CN" sz="1540"/>
-          </a:p>
-          <a:p>
-            <a:pPr lvl="2"/>
-            <a:r>
-              <a:rPr lang="en-US" altLang="zh-CN" sz="1540"/>
-              <a:t>ln -s /usr/local/lib/python3.5/site-packages/cv2xxx.so ~/.virtualenv/py3.5/lib/python3.5/site-packages/cv2.so</a:t>
-            </a:r>
-            <a:endParaRPr lang="en-US" altLang="zh-CN" sz="1540"/>
-          </a:p>
-          <a:p>
-            <a:pPr lvl="2"/>
-            <a:r>
-              <a:rPr lang="en-US" altLang="zh-CN" sz="1535">
-                <a:sym typeface="+mn-ea"/>
-              </a:rPr>
-              <a:t>Revert /etc/dphys-swapfile CONF_SWAPSIZE to 1024</a:t>
-            </a:r>
-            <a:endParaRPr lang="en-US" altLang="zh-CN" sz="1535">
-              <a:sym typeface="+mn-ea"/>
-            </a:endParaRPr>
-          </a:p>
-          <a:p>
-            <a:pPr lvl="2"/>
-            <a:r>
-              <a:rPr lang="en-US" altLang="zh-CN" sz="1535">
-                <a:sym typeface="+mn-ea"/>
-              </a:rPr>
-              <a:t>sudo /etc/init.d/dphys-swapfile restart</a:t>
-            </a:r>
-            <a:endParaRPr lang="en-US" altLang="zh-CN" sz="1540"/>
+              <a:rPr lang="en-US" altLang="zh-CN" sz="2000"/>
+              <a:t>sudo rm -rf ~/.cache/pip</a:t>
+            </a:r>
+            <a:endParaRPr lang="en-US" altLang="zh-CN" sz="2000"/>
+          </a:p>
+          <a:p>
+            <a:pPr lvl="1"/>
+            <a:r>
+              <a:rPr lang="en-US" altLang="zh-CN" sz="2000"/>
+              <a:t>Edit ~/.profile as the one on the right</a:t>
+            </a:r>
+            <a:endParaRPr lang="en-US" altLang="zh-CN" sz="2000"/>
+          </a:p>
+          <a:p>
+            <a:pPr lvl="1"/>
+            <a:r>
+              <a:rPr lang="en-US" altLang="zh-CN" sz="2000"/>
+              <a:t>source ~/.profile</a:t>
+            </a:r>
+            <a:endParaRPr lang="en-US" altLang="zh-CN" sz="2000"/>
+          </a:p>
+          <a:p>
+            <a:pPr lvl="1"/>
+            <a:r>
+              <a:rPr lang="en-US" altLang="zh-CN" sz="2000"/>
+              <a:t>mkvirtualenv py3 -p python3</a:t>
+            </a:r>
+            <a:endParaRPr lang="en-US" altLang="zh-CN" sz="2000"/>
+          </a:p>
+          <a:p>
+            <a:pPr lvl="0"/>
+            <a:r>
+              <a:rPr lang="en-US" altLang="zh-CN" sz="2285"/>
+              <a:t>Install Python packages in virtualenv</a:t>
+            </a:r>
+            <a:endParaRPr lang="en-US" altLang="zh-CN" sz="2285"/>
+          </a:p>
+          <a:p>
+            <a:pPr lvl="1"/>
+            <a:r>
+              <a:rPr lang="en-US" altLang="zh-CN" sz="1995"/>
+              <a:t>Modify pip.conf as the one on the right</a:t>
+            </a:r>
+            <a:endParaRPr lang="en-US" altLang="zh-CN" sz="1995"/>
+          </a:p>
+          <a:p>
+            <a:pPr lvl="1"/>
+            <a:r>
+              <a:rPr lang="en-US" altLang="zh-CN" sz="1995"/>
+              <a:t>pip install numpy (slow)</a:t>
+            </a:r>
+            <a:endParaRPr lang="en-US" altLang="zh-CN" sz="1745"/>
+          </a:p>
+          <a:p>
+            <a:pPr lvl="1"/>
+            <a:endParaRPr lang="en-US" altLang="zh-CN" sz="2000"/>
+          </a:p>
+        </p:txBody>
+      </p:sp>
+      <p:sp>
+        <p:nvSpPr>
+          <p:cNvPr id="4" name="文本框 3"/>
+          <p:cNvSpPr txBox="1"/>
+          <p:nvPr/>
+        </p:nvSpPr>
+        <p:spPr>
+          <a:xfrm>
+            <a:off x="7368540" y="1496060"/>
+            <a:ext cx="4689475" cy="1383665"/>
+          </a:xfrm>
+          <a:prstGeom prst="rect">
+            <a:avLst/>
+          </a:prstGeom>
+          <a:noFill/>
+          <a:ln>
+            <a:solidFill>
+              <a:srgbClr val="00B0F0"/>
+            </a:solidFill>
+          </a:ln>
+        </p:spPr>
+        <p:txBody>
+          <a:bodyPr wrap="square" rtlCol="0">
+            <a:spAutoFit/>
+          </a:bodyPr>
+          <a:p>
+            <a:r>
+              <a:rPr lang="en-US" altLang="zh-CN" sz="1400"/>
+              <a:t>~/.profile</a:t>
+            </a:r>
+            <a:endParaRPr lang="en-US" altLang="zh-CN" sz="1400"/>
+          </a:p>
+          <a:p>
+            <a:endParaRPr lang="en-US" altLang="zh-CN" sz="1400"/>
+          </a:p>
+          <a:p>
+            <a:r>
+              <a:rPr lang="en-US" altLang="zh-CN" sz="1400"/>
+              <a:t>export WORKON_HOME=$HOME/.virtualenvs</a:t>
+            </a:r>
+            <a:endParaRPr lang="en-US" altLang="zh-CN" sz="1400"/>
+          </a:p>
+          <a:p>
+            <a:r>
+              <a:rPr lang="en-US" altLang="zh-CN" sz="1400"/>
+              <a:t>export VIRTUALENVWRAPPER_PYTHON=/usr/bin/python3</a:t>
+            </a:r>
+            <a:endParaRPr lang="en-US" altLang="zh-CN" sz="1400"/>
+          </a:p>
+          <a:p>
+            <a:r>
+              <a:rPr lang="en-US" altLang="zh-CN" sz="1400"/>
+              <a:t>source /usr/local/bin/virtualenvwrapper.sh</a:t>
+            </a:r>
+            <a:endParaRPr lang="en-US" altLang="zh-CN" sz="1400"/>
+          </a:p>
+        </p:txBody>
+      </p:sp>
+      <p:sp>
+        <p:nvSpPr>
+          <p:cNvPr id="5" name="文本框 4"/>
+          <p:cNvSpPr txBox="1"/>
+          <p:nvPr/>
+        </p:nvSpPr>
+        <p:spPr>
+          <a:xfrm>
+            <a:off x="7400925" y="3147060"/>
+            <a:ext cx="4689475" cy="953135"/>
+          </a:xfrm>
+          <a:prstGeom prst="rect">
+            <a:avLst/>
+          </a:prstGeom>
+          <a:noFill/>
+          <a:ln>
+            <a:solidFill>
+              <a:srgbClr val="00B0F0"/>
+            </a:solidFill>
+          </a:ln>
+        </p:spPr>
+        <p:txBody>
+          <a:bodyPr wrap="square" rtlCol="0">
+            <a:spAutoFit/>
+          </a:bodyPr>
+          <a:p>
+            <a:r>
+              <a:rPr lang="en-US" altLang="zh-CN" sz="1400"/>
+              <a:t>/etc/pip.conf</a:t>
+            </a:r>
+            <a:endParaRPr lang="en-US" altLang="zh-CN" sz="1400"/>
+          </a:p>
+          <a:p>
+            <a:endParaRPr lang="en-US" altLang="zh-CN" sz="1400"/>
+          </a:p>
+          <a:p>
+            <a:r>
+              <a:rPr lang="en-US" altLang="zh-CN" sz="1400"/>
+              <a:t>[global]</a:t>
+            </a:r>
+            <a:endParaRPr lang="en-US" altLang="zh-CN" sz="1400"/>
+          </a:p>
+          <a:p>
+            <a:r>
+              <a:rPr lang="en-US" altLang="zh-CN" sz="1400"/>
+              <a:t>index-url = https://pypi.tuna.tsinghua.edu.cn/simple</a:t>
+            </a:r>
+            <a:endParaRPr lang="en-US" altLang="zh-CN" sz="1400"/>
           </a:p>
         </p:txBody>
       </p:sp>
@@ -4350,6 +4286,231 @@
 </file>
 
 <file path=ppt/slides/slide7.xml><?xml version="1.0" encoding="utf-8"?>
+<p:sld xmlns:a="http://schemas.openxmlformats.org/drawingml/2006/main" xmlns:r="http://schemas.openxmlformats.org/officeDocument/2006/relationships" xmlns:p="http://schemas.openxmlformats.org/presentationml/2006/main">
+  <p:cSld>
+    <p:spTree>
+      <p:nvGrpSpPr>
+        <p:cNvPr id="1" name=""/>
+        <p:cNvGrpSpPr/>
+        <p:nvPr/>
+      </p:nvGrpSpPr>
+      <p:grpSpPr/>
+      <p:sp>
+        <p:nvSpPr>
+          <p:cNvPr id="2" name="标题 1"/>
+          <p:cNvSpPr>
+            <a:spLocks noGrp="1"/>
+          </p:cNvSpPr>
+          <p:nvPr>
+            <p:ph type="title"/>
+          </p:nvPr>
+        </p:nvSpPr>
+        <p:spPr/>
+        <p:txBody>
+          <a:bodyPr/>
+          <a:p>
+            <a:r>
+              <a:rPr lang="en-US" altLang="zh-CN"/>
+              <a:t>Install OpenCV3</a:t>
+            </a:r>
+            <a:endParaRPr lang="en-US" altLang="zh-CN"/>
+          </a:p>
+        </p:txBody>
+      </p:sp>
+      <p:sp>
+        <p:nvSpPr>
+          <p:cNvPr id="3" name="内容占位符 2"/>
+          <p:cNvSpPr>
+            <a:spLocks noGrp="1"/>
+          </p:cNvSpPr>
+          <p:nvPr>
+            <p:ph idx="1"/>
+          </p:nvPr>
+        </p:nvSpPr>
+        <p:spPr/>
+        <p:txBody>
+          <a:bodyPr/>
+          <a:p>
+            <a:r>
+              <a:rPr lang="en-US" altLang="zh-CN" sz="2000">
+                <a:sym typeface="+mn-ea"/>
+              </a:rPr>
+              <a:t>Install packages</a:t>
+            </a:r>
+            <a:endParaRPr lang="en-US" altLang="zh-CN" sz="2000"/>
+          </a:p>
+          <a:p>
+            <a:pPr lvl="1"/>
+            <a:r>
+              <a:rPr lang="en-US" altLang="zh-CN" sz="2000">
+                <a:sym typeface="+mn-ea"/>
+              </a:rPr>
+              <a:t>build-essential cmake pkg-config</a:t>
+            </a:r>
+            <a:endParaRPr lang="en-US" altLang="zh-CN" sz="2000"/>
+          </a:p>
+          <a:p>
+            <a:pPr lvl="1"/>
+            <a:r>
+              <a:rPr lang="en-US" altLang="zh-CN" sz="2000">
+                <a:sym typeface="+mn-ea"/>
+              </a:rPr>
+              <a:t>libjpeg-dev libtiff5-dev libjasper-dev libpng12-dev</a:t>
+            </a:r>
+            <a:endParaRPr lang="en-US" altLang="zh-CN" sz="2000"/>
+          </a:p>
+          <a:p>
+            <a:pPr lvl="1"/>
+            <a:r>
+              <a:rPr lang="en-US" altLang="zh-CN" sz="2000">
+                <a:sym typeface="+mn-ea"/>
+              </a:rPr>
+              <a:t>libavcodec-dev libavformat-dev libswscale-dev libv4l-dev libxvidcore-dev libx264-dev</a:t>
+            </a:r>
+            <a:endParaRPr lang="en-US" altLang="zh-CN" sz="2000"/>
+          </a:p>
+          <a:p>
+            <a:pPr lvl="1"/>
+            <a:r>
+              <a:rPr lang="en-US" altLang="zh-CN" sz="2000">
+                <a:sym typeface="+mn-ea"/>
+              </a:rPr>
+              <a:t>libgtk2.0-dev libgtk-3-dev</a:t>
+            </a:r>
+            <a:endParaRPr lang="en-US" altLang="zh-CN" sz="2000"/>
+          </a:p>
+          <a:p>
+            <a:pPr lvl="1"/>
+            <a:r>
+              <a:rPr lang="en-US" altLang="zh-CN" sz="2000">
+                <a:sym typeface="+mn-ea"/>
+              </a:rPr>
+              <a:t>libatlas-base-dev gfortran</a:t>
+            </a:r>
+            <a:endParaRPr lang="en-US" altLang="zh-CN" sz="2000">
+              <a:sym typeface="+mn-ea"/>
+            </a:endParaRPr>
+          </a:p>
+          <a:p>
+            <a:pPr lvl="1"/>
+            <a:r>
+              <a:rPr lang="en-US" sz="1800"/>
+              <a:t>scp opencv-3.4.1.zip and opencv_contrib-3.4.1.zip to Pi</a:t>
+            </a:r>
+            <a:endParaRPr lang="en-US" sz="1800"/>
+          </a:p>
+          <a:p>
+            <a:pPr lvl="1"/>
+            <a:r>
+              <a:rPr lang="en-US" altLang="zh-CN" sz="1800">
+                <a:sym typeface="+mn-ea"/>
+              </a:rPr>
+              <a:t>Unzip opencv-3.4.1.zip and opencv_contrib-3.4.1.zip</a:t>
+            </a:r>
+            <a:endParaRPr lang="en-US" altLang="zh-CN" sz="1800">
+              <a:sym typeface="+mn-ea"/>
+            </a:endParaRPr>
+          </a:p>
+          <a:p>
+            <a:pPr lvl="1"/>
+            <a:r>
+              <a:rPr lang="en-US" altLang="zh-CN" sz="1800"/>
+              <a:t>Build opencv</a:t>
+            </a:r>
+            <a:endParaRPr lang="en-US" altLang="zh-CN" sz="1800"/>
+          </a:p>
+          <a:p>
+            <a:pPr lvl="2"/>
+            <a:r>
+              <a:rPr lang="en-US" altLang="zh-CN" sz="1540"/>
+              <a:t>cmake</a:t>
+            </a:r>
+            <a:endParaRPr lang="en-US" altLang="zh-CN" sz="1540"/>
+          </a:p>
+          <a:p>
+            <a:pPr lvl="3"/>
+            <a:r>
+              <a:rPr lang="en-US" altLang="zh-CN" sz="1330"/>
+              <a:t>-D CMAKE_BUILD_TYPE=RELEASE -D CMAKE_INSTALL_PREFIX=/usr/local -D INSTALL_PYTHON_EXAMPLES=ON -D OPENCV_EXTRA_MODULES_PATH=~/opencv_contrib-3.4.1/modules -D BUILD_EXAMPLES=ON ..</a:t>
+            </a:r>
+            <a:endParaRPr lang="en-US" altLang="zh-CN" sz="1330"/>
+          </a:p>
+          <a:p>
+            <a:pPr lvl="2"/>
+            <a:r>
+              <a:rPr lang="en-US" altLang="zh-CN" sz="1540"/>
+              <a:t>Modify /etc/dphys-swapfile CONF_SWAPSIZE to 1024</a:t>
+            </a:r>
+            <a:endParaRPr lang="en-US" altLang="zh-CN" sz="1540"/>
+          </a:p>
+          <a:p>
+            <a:pPr lvl="2"/>
+            <a:r>
+              <a:rPr lang="en-US" altLang="zh-CN" sz="1540"/>
+              <a:t>sudo /etc/init.d/dphys-swapfile restart</a:t>
+            </a:r>
+            <a:endParaRPr lang="en-US" altLang="zh-CN" sz="1540"/>
+          </a:p>
+          <a:p>
+            <a:pPr lvl="2"/>
+            <a:r>
+              <a:rPr lang="en-US" altLang="zh-CN" sz="1540">
+                <a:solidFill>
+                  <a:srgbClr val="FF0000"/>
+                </a:solidFill>
+              </a:rPr>
+              <a:t>make -j4</a:t>
+            </a:r>
+            <a:r>
+              <a:rPr lang="en-US" altLang="zh-CN" sz="1540"/>
+              <a:t> &amp;&amp; sudo make install &amp;&amp; sudo ldconfig</a:t>
+            </a:r>
+            <a:endParaRPr lang="en-US" altLang="zh-CN" sz="1540"/>
+          </a:p>
+          <a:p>
+            <a:pPr lvl="2"/>
+            <a:r>
+              <a:rPr lang="en-US" altLang="zh-CN" sz="1540"/>
+              <a:t>ln -s /usr/local/lib/python3.5/site-packages/cv2xxx.so ~/.virtualenv/py3.5/lib/python3.5/site-packages/cv2.so</a:t>
+            </a:r>
+            <a:endParaRPr lang="en-US" altLang="zh-CN" sz="1540"/>
+          </a:p>
+          <a:p>
+            <a:pPr lvl="2"/>
+            <a:r>
+              <a:rPr lang="en-US" altLang="zh-CN" sz="1535">
+                <a:sym typeface="+mn-ea"/>
+              </a:rPr>
+              <a:t>Revert /etc/dphys-swapfile CONF_SWAPSIZE to 1024</a:t>
+            </a:r>
+            <a:endParaRPr lang="en-US" altLang="zh-CN" sz="1535">
+              <a:sym typeface="+mn-ea"/>
+            </a:endParaRPr>
+          </a:p>
+          <a:p>
+            <a:pPr lvl="2"/>
+            <a:r>
+              <a:rPr lang="en-US" altLang="zh-CN" sz="1535">
+                <a:sym typeface="+mn-ea"/>
+              </a:rPr>
+              <a:t>sudo /etc/init.d/dphys-swapfile restart</a:t>
+            </a:r>
+            <a:endParaRPr lang="en-US" altLang="zh-CN" sz="1540"/>
+          </a:p>
+        </p:txBody>
+      </p:sp>
+    </p:spTree>
+    <p:custDataLst>
+      <p:tags r:id="rId1"/>
+    </p:custDataLst>
+  </p:cSld>
+  <p:clrMapOvr>
+    <a:masterClrMapping/>
+  </p:clrMapOvr>
+</p:sld>
+</file>
+
+<file path=ppt/slides/slide8.xml><?xml version="1.0" encoding="utf-8"?>
 <p:sld xmlns:a="http://schemas.openxmlformats.org/drawingml/2006/main" xmlns:r="http://schemas.openxmlformats.org/officeDocument/2006/relationships" xmlns:p="http://schemas.openxmlformats.org/presentationml/2006/main">
   <p:cSld>
     <p:spTree>
@@ -4629,6 +4790,19 @@
 </p:tagLst>
 </file>
 
+<file path=ppt/tags/tag11.xml><?xml version="1.0" encoding="utf-8"?>
+<p:tagLst xmlns:p="http://schemas.openxmlformats.org/presentationml/2006/main">
+  <p:tag name="KSO_WM_TEMPLATE_CATEGORY" val="custom"/>
+  <p:tag name="KSO_WM_TEMPLATE_INDEX" val="160402"/>
+</p:tagLst>
+</file>
+
+<file path=ppt/tags/tag12.xml><?xml version="1.0" encoding="utf-8"?>
+<p:tagLst xmlns:p="http://schemas.openxmlformats.org/presentationml/2006/main">
+  <p:tag name="commondata" val="eyJoZGlkIjoiYjRhZjQ5NWVmZmQxNmM3NmNkNDYxNWRmNzNmMjA1ZDAifQ=="/>
+</p:tagLst>
+</file>
+
 <file path=ppt/tags/tag2.xml><?xml version="1.0" encoding="utf-8"?>
 <p:tagLst xmlns:p="http://schemas.openxmlformats.org/presentationml/2006/main">
   <p:tag name="KSO_WM_TAG_VERSION" val="1.0"/>
@@ -4656,6 +4830,7 @@
 
 <file path=ppt/tags/tag5.xml><?xml version="1.0" encoding="utf-8"?>
 <p:tagLst xmlns:p="http://schemas.openxmlformats.org/presentationml/2006/main">
+  <p:tag name="KSO_WM_BEAUTIFY_FLAG" val="#wm#"/>
   <p:tag name="KSO_WM_TEMPLATE_CATEGORY" val="custom"/>
   <p:tag name="KSO_WM_TEMPLATE_INDEX" val="160402"/>
 </p:tagLst>
